--- a/10-participatory-budgeting/slides-0-budget-intro.pptx
+++ b/10-participatory-budgeting/slides-0-budget-intro.pptx
@@ -122,6 +122,11 @@
       </a:defRPr>
     </a:lvl9pPr>
   </p:defaultTextStyle>
+  <p:extLst>
+    <p:ext uri="{EFAFB233-063F-42B5-8137-9DF3F51BA10A}">
+      <p15:sldGuideLst xmlns:p15="http://schemas.microsoft.com/office/powerpoint/2012/main"/>
+    </p:ext>
+  </p:extLst>
 </p:presentation>
 </file>
 
@@ -1292,8 +1297,8 @@
         </p:nvSpPr>
         <p:spPr>
           <a:xfrm>
-            <a:off x="1371599" y="764280"/>
-            <a:ext cx="5028840" cy="3771360"/>
+            <a:off x="1371600" y="763588"/>
+            <a:ext cx="5029200" cy="3771900"/>
           </a:xfrm>
           <a:solidFill>
             <a:srgbClr val="729FCF"/>
@@ -1413,8 +1418,8 @@
         </p:nvSpPr>
         <p:spPr>
           <a:xfrm>
-            <a:off x="1371599" y="764280"/>
-            <a:ext cx="5028840" cy="3771360"/>
+            <a:off x="1371600" y="763588"/>
+            <a:ext cx="5029200" cy="3771900"/>
           </a:xfrm>
           <a:solidFill>
             <a:srgbClr val="729FCF"/>
@@ -1534,8 +1539,8 @@
         </p:nvSpPr>
         <p:spPr>
           <a:xfrm>
-            <a:off x="1371599" y="764280"/>
-            <a:ext cx="5028840" cy="3771360"/>
+            <a:off x="1371600" y="763588"/>
+            <a:ext cx="5029200" cy="3771900"/>
           </a:xfrm>
           <a:solidFill>
             <a:srgbClr val="729FCF"/>
@@ -7269,7 +7274,7 @@
           <a:p>
             <a:fld id="{28E5C356-B994-4DE9-9B59-572582C45F8D}" type="datetimeFigureOut">
               <a:rPr lang="he-IL" smtClean="0"/>
-              <a:t>כ'/אייר/תשפ"ה</a:t>
+              <a:t>כ"א/אייר/תשפ"ה</a:t>
             </a:fld>
             <a:endParaRPr lang="he-IL"/>
           </a:p>
@@ -7468,7 +7473,7 @@
           <a:p>
             <a:fld id="{28E5C356-B994-4DE9-9B59-572582C45F8D}" type="datetimeFigureOut">
               <a:rPr lang="he-IL" smtClean="0"/>
-              <a:t>כ'/אייר/תשפ"ה</a:t>
+              <a:t>כ"א/אייר/תשפ"ה</a:t>
             </a:fld>
             <a:endParaRPr lang="he-IL"/>
           </a:p>
@@ -7743,7 +7748,7 @@
           <a:p>
             <a:fld id="{28E5C356-B994-4DE9-9B59-572582C45F8D}" type="datetimeFigureOut">
               <a:rPr lang="he-IL" smtClean="0"/>
-              <a:t>כ'/אייר/תשפ"ה</a:t>
+              <a:t>כ"א/אייר/תשפ"ה</a:t>
             </a:fld>
             <a:endParaRPr lang="he-IL"/>
           </a:p>
@@ -8010,7 +8015,7 @@
           <a:p>
             <a:fld id="{28E5C356-B994-4DE9-9B59-572582C45F8D}" type="datetimeFigureOut">
               <a:rPr lang="he-IL" smtClean="0"/>
-              <a:t>כ'/אייר/תשפ"ה</a:t>
+              <a:t>כ"א/אייר/תשפ"ה</a:t>
             </a:fld>
             <a:endParaRPr lang="he-IL"/>
           </a:p>
@@ -8424,7 +8429,7 @@
           <a:p>
             <a:fld id="{28E5C356-B994-4DE9-9B59-572582C45F8D}" type="datetimeFigureOut">
               <a:rPr lang="he-IL" smtClean="0"/>
-              <a:t>כ'/אייר/תשפ"ה</a:t>
+              <a:t>כ"א/אייר/תשפ"ה</a:t>
             </a:fld>
             <a:endParaRPr lang="he-IL"/>
           </a:p>
@@ -8565,7 +8570,7 @@
           <a:p>
             <a:fld id="{28E5C356-B994-4DE9-9B59-572582C45F8D}" type="datetimeFigureOut">
               <a:rPr lang="he-IL" smtClean="0"/>
-              <a:t>כ'/אייר/תשפ"ה</a:t>
+              <a:t>כ"א/אייר/תשפ"ה</a:t>
             </a:fld>
             <a:endParaRPr lang="he-IL"/>
           </a:p>
@@ -8940,7 +8945,7 @@
           <a:p>
             <a:fld id="{28E5C356-B994-4DE9-9B59-572582C45F8D}" type="datetimeFigureOut">
               <a:rPr lang="he-IL" smtClean="0"/>
-              <a:t>כ'/אייר/תשפ"ה</a:t>
+              <a:t>כ"א/אייר/תשפ"ה</a:t>
             </a:fld>
             <a:endParaRPr lang="he-IL"/>
           </a:p>
@@ -9252,7 +9257,7 @@
           <a:p>
             <a:fld id="{28E5C356-B994-4DE9-9B59-572582C45F8D}" type="datetimeFigureOut">
               <a:rPr lang="he-IL" smtClean="0"/>
-              <a:t>כ'/אייר/תשפ"ה</a:t>
+              <a:t>כ"א/אייר/תשפ"ה</a:t>
             </a:fld>
             <a:endParaRPr lang="he-IL"/>
           </a:p>
@@ -9540,7 +9545,7 @@
           <a:p>
             <a:fld id="{28E5C356-B994-4DE9-9B59-572582C45F8D}" type="datetimeFigureOut">
               <a:rPr lang="he-IL" smtClean="0"/>
-              <a:t>כ'/אייר/תשפ"ה</a:t>
+              <a:t>כ"א/אייר/תשפ"ה</a:t>
             </a:fld>
             <a:endParaRPr lang="he-IL"/>
           </a:p>
@@ -9739,7 +9744,7 @@
           <a:p>
             <a:fld id="{28E5C356-B994-4DE9-9B59-572582C45F8D}" type="datetimeFigureOut">
               <a:rPr lang="he-IL" smtClean="0"/>
-              <a:t>כ'/אייר/תשפ"ה</a:t>
+              <a:t>כ"א/אייר/תשפ"ה</a:t>
             </a:fld>
             <a:endParaRPr lang="he-IL"/>
           </a:p>
@@ -9948,7 +9953,7 @@
           <a:p>
             <a:fld id="{28E5C356-B994-4DE9-9B59-572582C45F8D}" type="datetimeFigureOut">
               <a:rPr lang="he-IL" smtClean="0"/>
-              <a:t>כ'/אייר/תשפ"ה</a:t>
+              <a:t>כ"א/אייר/תשפ"ה</a:t>
             </a:fld>
             <a:endParaRPr lang="he-IL"/>
           </a:p>
@@ -15165,7 +15170,7 @@
           <a:p>
             <a:fld id="{28E5C356-B994-4DE9-9B59-572582C45F8D}" type="datetimeFigureOut">
               <a:rPr lang="he-IL" smtClean="0"/>
-              <a:t>כ'/אייר/תשפ"ה</a:t>
+              <a:t>כ"א/אייר/תשפ"ה</a:t>
             </a:fld>
             <a:endParaRPr lang="he-IL"/>
           </a:p>
@@ -16600,8 +16605,16 @@
 </file>
 
 <file path=ppt/slides/slide2.xml><?xml version="1.0" encoding="utf-8"?>
-<p:sld xmlns:a="http://schemas.openxmlformats.org/drawingml/2006/main" xmlns:r="http://schemas.openxmlformats.org/officeDocument/2006/relationships" xmlns:p="http://schemas.openxmlformats.org/presentationml/2006/main">
+<p:sld xmlns:a="http://schemas.openxmlformats.org/drawingml/2006/main" xmlns:r="http://schemas.openxmlformats.org/officeDocument/2006/relationships" xmlns:p="http://schemas.openxmlformats.org/presentationml/2006/main" showMasterSp="0">
   <p:cSld>
+    <p:bg>
+      <p:bgPr>
+        <a:solidFill>
+          <a:schemeClr val="bg1"/>
+        </a:solidFill>
+        <a:effectLst/>
+      </p:bgPr>
+    </p:bg>
     <p:spTree>
       <p:nvGrpSpPr>
         <p:cNvPr id="1" name=""/>
@@ -16616,53 +16629,265 @@
           <a:chExt cx="0" cy="0"/>
         </a:xfrm>
       </p:grpSpPr>
-      <p:sp>
-        <p:nvSpPr>
-          <p:cNvPr id="2" name="Title 1">
-            <a:extLst>
-              <a:ext uri="{FF2B5EF4-FFF2-40B4-BE49-F238E27FC236}">
-                <a16:creationId xmlns:a16="http://schemas.microsoft.com/office/drawing/2014/main" id="{B53BC641-B2D3-1F3C-1D93-242A04F3819E}"/>
-              </a:ext>
-            </a:extLst>
-          </p:cNvPr>
-          <p:cNvSpPr>
-            <a:spLocks noGrp="1"/>
-          </p:cNvSpPr>
-          <p:nvPr>
-            <p:ph type="ctrTitle"/>
-          </p:nvPr>
-        </p:nvSpPr>
-        <p:spPr/>
-        <p:txBody>
-          <a:bodyPr/>
-          <a:lstStyle/>
-          <a:p>
-            <a:endParaRPr lang="he-IL"/>
-          </a:p>
-        </p:txBody>
-      </p:sp>
-      <p:sp>
-        <p:nvSpPr>
-          <p:cNvPr id="3" name="Subtitle 2">
-            <a:extLst>
-              <a:ext uri="{FF2B5EF4-FFF2-40B4-BE49-F238E27FC236}">
-                <a16:creationId xmlns:a16="http://schemas.microsoft.com/office/drawing/2014/main" id="{E7874D2F-FEBB-55C6-83A3-FCFFB3A3AA70}"/>
-              </a:ext>
-            </a:extLst>
-          </p:cNvPr>
-          <p:cNvSpPr>
-            <a:spLocks noGrp="1"/>
-          </p:cNvSpPr>
-          <p:nvPr>
-            <p:ph type="subTitle" idx="1"/>
-          </p:nvPr>
-        </p:nvSpPr>
-        <p:spPr/>
-        <p:txBody>
-          <a:bodyPr/>
-          <a:lstStyle/>
-          <a:p>
-            <a:endParaRPr lang="he-IL"/>
+      <p:pic>
+        <p:nvPicPr>
+          <p:cNvPr id="9" name="Picture 8">
+            <a:extLst>
+              <a:ext uri="{FF2B5EF4-FFF2-40B4-BE49-F238E27FC236}">
+                <a16:creationId xmlns:a16="http://schemas.microsoft.com/office/drawing/2014/main" id="{C31AA01F-BEDB-4320-9FDA-B37DF799BD2E}"/>
+              </a:ext>
+            </a:extLst>
+          </p:cNvPr>
+          <p:cNvPicPr>
+            <a:picLocks noChangeAspect="1"/>
+          </p:cNvPicPr>
+          <p:nvPr/>
+        </p:nvPicPr>
+        <p:blipFill>
+          <a:blip r:embed="rId2"/>
+          <a:stretch>
+            <a:fillRect/>
+          </a:stretch>
+        </p:blipFill>
+        <p:spPr>
+          <a:xfrm>
+            <a:off x="2647922" y="4533900"/>
+            <a:ext cx="4784780" cy="2749581"/>
+          </a:xfrm>
+          <a:prstGeom prst="rect">
+            <a:avLst/>
+          </a:prstGeom>
+        </p:spPr>
+      </p:pic>
+      <p:sp>
+        <p:nvSpPr>
+          <p:cNvPr id="15" name="TextBox 14">
+            <a:extLst>
+              <a:ext uri="{FF2B5EF4-FFF2-40B4-BE49-F238E27FC236}">
+                <a16:creationId xmlns:a16="http://schemas.microsoft.com/office/drawing/2014/main" id="{E91D8A9B-A107-8532-852A-E245A53ABB18}"/>
+              </a:ext>
+            </a:extLst>
+          </p:cNvPr>
+          <p:cNvSpPr txBox="1"/>
+          <p:nvPr/>
+        </p:nvSpPr>
+        <p:spPr>
+          <a:xfrm>
+            <a:off x="685800" y="409544"/>
+            <a:ext cx="8553450" cy="769441"/>
+          </a:xfrm>
+          <a:prstGeom prst="rect">
+            <a:avLst/>
+          </a:prstGeom>
+          <a:noFill/>
+        </p:spPr>
+        <p:txBody>
+          <a:bodyPr wrap="square" rtlCol="0">
+            <a:spAutoFit/>
+          </a:bodyPr>
+          <a:lstStyle/>
+          <a:p>
+            <a:pPr algn="ctr"/>
+            <a:r>
+              <a:rPr lang="he-IL" sz="4400"/>
+              <a:t>איפה משתמשים בתקצוב משתף?</a:t>
+            </a:r>
+            <a:endParaRPr lang="en-IL" sz="4400"/>
+          </a:p>
+        </p:txBody>
+      </p:sp>
+      <p:sp>
+        <p:nvSpPr>
+          <p:cNvPr id="17" name="TextBox 16">
+            <a:extLst>
+              <a:ext uri="{FF2B5EF4-FFF2-40B4-BE49-F238E27FC236}">
+                <a16:creationId xmlns:a16="http://schemas.microsoft.com/office/drawing/2014/main" id="{079E90AB-8311-CB57-9DB1-E484ED78D185}"/>
+              </a:ext>
+            </a:extLst>
+          </p:cNvPr>
+          <p:cNvSpPr txBox="1"/>
+          <p:nvPr/>
+        </p:nvSpPr>
+        <p:spPr>
+          <a:xfrm>
+            <a:off x="1028700" y="1178985"/>
+            <a:ext cx="8796393" cy="3046988"/>
+          </a:xfrm>
+          <a:prstGeom prst="rect">
+            <a:avLst/>
+          </a:prstGeom>
+          <a:noFill/>
+        </p:spPr>
+        <p:txBody>
+          <a:bodyPr wrap="square" rtlCol="0">
+            <a:spAutoFit/>
+          </a:bodyPr>
+          <a:lstStyle/>
+          <a:p>
+            <a:pPr marL="285750" marR="0" indent="-285750" algn="r" rtl="1">
+              <a:buFont typeface="Arial" panose="020B0604020202020204" pitchFamily="34" charset="0"/>
+              <a:buChar char="•"/>
+            </a:pPr>
+            <a:r>
+              <a:rPr lang="he-IL" sz="3200" b="0" i="0" u="none" strike="noStrike">
+                <a:solidFill>
+                  <a:srgbClr val="000000"/>
+                </a:solidFill>
+                <a:latin typeface="DejaVu Sans" panose="020B0603030804020204" pitchFamily="34" charset="0"/>
+              </a:rPr>
+              <a:t>ברזיל (שם זה התחיל)</a:t>
+            </a:r>
+          </a:p>
+          <a:p>
+            <a:pPr marL="285750" marR="0" indent="-285750" algn="r" rtl="1">
+              <a:buFont typeface="Arial" panose="020B0604020202020204" pitchFamily="34" charset="0"/>
+              <a:buChar char="•"/>
+            </a:pPr>
+            <a:r>
+              <a:rPr lang="he-IL" sz="3200" b="0" i="0" u="none" strike="noStrike">
+                <a:solidFill>
+                  <a:srgbClr val="000000"/>
+                </a:solidFill>
+                <a:latin typeface="DejaVu Sans" panose="020B0603030804020204" pitchFamily="34" charset="0"/>
+              </a:rPr>
+              <a:t>ארה”ב (&gt;500 ערים)</a:t>
+            </a:r>
+            <a:endParaRPr lang="he-IL" sz="3200" b="0" i="0" u="none" strike="noStrike">
+              <a:solidFill>
+                <a:srgbClr val="000000"/>
+              </a:solidFill>
+              <a:latin typeface="Liberation Sans;Arial"/>
+            </a:endParaRPr>
+          </a:p>
+          <a:p>
+            <a:pPr marL="285750" marR="0" indent="-285750" algn="r" rtl="1">
+              <a:buFont typeface="Arial" panose="020B0604020202020204" pitchFamily="34" charset="0"/>
+              <a:buChar char="•"/>
+            </a:pPr>
+            <a:r>
+              <a:rPr lang="he-IL" sz="3200" b="0" i="0" u="none" strike="noStrike" baseline="0">
+                <a:solidFill>
+                  <a:srgbClr val="000000"/>
+                </a:solidFill>
+                <a:latin typeface="DejaVu Sans" panose="020B0603030804020204" pitchFamily="34" charset="0"/>
+              </a:rPr>
+              <a:t>פאריס (&gt;20 מיליון יורו)</a:t>
+            </a:r>
+            <a:endParaRPr lang="he-IL" sz="3200" b="0" i="0" u="none" strike="noStrike" baseline="0">
+              <a:solidFill>
+                <a:srgbClr val="000000"/>
+              </a:solidFill>
+              <a:latin typeface="Liberation Sans;Arial"/>
+            </a:endParaRPr>
+          </a:p>
+          <a:p>
+            <a:pPr marL="285750" marR="0" indent="-285750" algn="r" rtl="1">
+              <a:buFont typeface="Arial" panose="020B0604020202020204" pitchFamily="34" charset="0"/>
+              <a:buChar char="•"/>
+            </a:pPr>
+            <a:r>
+              <a:rPr lang="he-IL" sz="3200" b="0" i="0" u="none" strike="noStrike" baseline="0">
+                <a:solidFill>
+                  <a:srgbClr val="000000"/>
+                </a:solidFill>
+                <a:latin typeface="DejaVu Sans" panose="020B0603030804020204" pitchFamily="34" charset="0"/>
+              </a:rPr>
+              <a:t>איטליה (0.5% מהמיסים)</a:t>
+            </a:r>
+            <a:endParaRPr lang="he-IL" sz="3200" b="0" i="0" u="none" strike="noStrike" baseline="0">
+              <a:solidFill>
+                <a:srgbClr val="000000"/>
+              </a:solidFill>
+              <a:latin typeface="Liberation Sans;Arial"/>
+            </a:endParaRPr>
+          </a:p>
+          <a:p>
+            <a:pPr marL="285750" marR="0" indent="-285750" algn="r" rtl="1">
+              <a:buFont typeface="Arial" panose="020B0604020202020204" pitchFamily="34" charset="0"/>
+              <a:buChar char="•"/>
+            </a:pPr>
+            <a:r>
+              <a:rPr lang="he-IL" sz="3200" b="0" i="0" u="none" strike="noStrike" baseline="0">
+                <a:solidFill>
+                  <a:schemeClr val="tx2">
+                    <a:lumMod val="50000"/>
+                    <a:lumOff val="50000"/>
+                  </a:schemeClr>
+                </a:solidFill>
+                <a:latin typeface="DejaVu Sans" panose="020B0603030804020204" pitchFamily="34" charset="0"/>
+              </a:rPr>
+              <a:t>תל אביב</a:t>
+            </a:r>
+            <a:r>
+              <a:rPr lang="he-IL" sz="3200" b="0" i="0" u="none" strike="noStrike" baseline="0">
+                <a:solidFill>
+                  <a:schemeClr val="tx2">
+                    <a:lumMod val="50000"/>
+                    <a:lumOff val="50000"/>
+                  </a:schemeClr>
+                </a:solidFill>
+                <a:latin typeface="Liberation Sans;Arial"/>
+              </a:rPr>
+              <a:t> (תל חיים)</a:t>
+            </a:r>
+          </a:p>
+          <a:p>
+            <a:pPr marL="285750" marR="0" indent="-285750" algn="r" rtl="1">
+              <a:buFont typeface="Arial" panose="020B0604020202020204" pitchFamily="34" charset="0"/>
+              <a:buChar char="•"/>
+            </a:pPr>
+            <a:r>
+              <a:rPr lang="he-IL" sz="3200" b="0" i="0" u="none" strike="noStrike" baseline="0">
+                <a:solidFill>
+                  <a:srgbClr val="00B050"/>
+                </a:solidFill>
+                <a:latin typeface="DejaVu Sans" panose="020B0603030804020204" pitchFamily="34" charset="0"/>
+              </a:rPr>
+              <a:t>אריאל (אגודת הסטודנטים) ה'תשפ"ה (</a:t>
+            </a:r>
+            <a:r>
+              <a:rPr lang="he-IL" sz="3200" b="0" i="0" u="none" strike="noStrike" baseline="0">
+                <a:solidFill>
+                  <a:srgbClr val="00B050"/>
+                </a:solidFill>
+                <a:latin typeface="DejaVu Sans" panose="020B0603030804020204" pitchFamily="34" charset="0"/>
+                <a:hlinkClick r:id="rId3"/>
+              </a:rPr>
+              <a:t>קישור</a:t>
+            </a:r>
+            <a:r>
+              <a:rPr lang="he-IL" sz="3200" b="0" i="0" u="none" strike="noStrike" baseline="0">
+                <a:solidFill>
+                  <a:srgbClr val="00B050"/>
+                </a:solidFill>
+                <a:latin typeface="DejaVu Sans" panose="020B0603030804020204" pitchFamily="34" charset="0"/>
+              </a:rPr>
+              <a:t>, </a:t>
+            </a:r>
+            <a:r>
+              <a:rPr lang="he-IL" sz="3200" b="0" i="0" u="none" strike="noStrike" baseline="0">
+                <a:solidFill>
+                  <a:srgbClr val="00B050"/>
+                </a:solidFill>
+                <a:latin typeface="DejaVu Sans" panose="020B0603030804020204" pitchFamily="34" charset="0"/>
+                <a:hlinkClick r:id="rId4"/>
+              </a:rPr>
+              <a:t>מקור</a:t>
+            </a:r>
+            <a:r>
+              <a:rPr lang="he-IL" sz="3200" b="0" i="0" u="none" strike="noStrike" baseline="0">
+                <a:solidFill>
+                  <a:srgbClr val="00B050"/>
+                </a:solidFill>
+                <a:latin typeface="DejaVu Sans" panose="020B0603030804020204" pitchFamily="34" charset="0"/>
+              </a:rPr>
+              <a:t>)</a:t>
+            </a:r>
+            <a:endParaRPr lang="en-IL" sz="6600">
+              <a:solidFill>
+                <a:srgbClr val="00B050"/>
+              </a:solidFill>
+            </a:endParaRPr>
           </a:p>
         </p:txBody>
       </p:sp>
@@ -16671,6 +16896,333 @@
   <p:clrMapOvr>
     <a:masterClrMapping/>
   </p:clrMapOvr>
+  <p:timing>
+    <p:tnLst>
+      <p:par>
+        <p:cTn id="1" dur="indefinite" restart="never" nodeType="tmRoot">
+          <p:childTnLst>
+            <p:seq concurrent="1" nextAc="seek">
+              <p:cTn id="2" dur="indefinite" nodeType="mainSeq">
+                <p:childTnLst>
+                  <p:par>
+                    <p:cTn id="3" fill="hold">
+                      <p:stCondLst>
+                        <p:cond delay="indefinite"/>
+                      </p:stCondLst>
+                      <p:childTnLst>
+                        <p:par>
+                          <p:cTn id="4" fill="hold">
+                            <p:stCondLst>
+                              <p:cond delay="0"/>
+                            </p:stCondLst>
+                            <p:childTnLst>
+                              <p:par>
+                                <p:cTn id="5" presetID="1" presetClass="entr" presetSubtype="0" fill="hold" grpId="0" nodeType="clickEffect">
+                                  <p:stCondLst>
+                                    <p:cond delay="0"/>
+                                  </p:stCondLst>
+                                  <p:childTnLst>
+                                    <p:set>
+                                      <p:cBhvr>
+                                        <p:cTn id="6" dur="1" fill="hold">
+                                          <p:stCondLst>
+                                            <p:cond delay="0"/>
+                                          </p:stCondLst>
+                                        </p:cTn>
+                                        <p:tgtEl>
+                                          <p:spTgt spid="17">
+                                            <p:txEl>
+                                              <p:pRg st="0" end="0"/>
+                                            </p:txEl>
+                                          </p:spTgt>
+                                        </p:tgtEl>
+                                        <p:attrNameLst>
+                                          <p:attrName>style.visibility</p:attrName>
+                                        </p:attrNameLst>
+                                      </p:cBhvr>
+                                      <p:to>
+                                        <p:strVal val="visible"/>
+                                      </p:to>
+                                    </p:set>
+                                  </p:childTnLst>
+                                </p:cTn>
+                              </p:par>
+                            </p:childTnLst>
+                          </p:cTn>
+                        </p:par>
+                      </p:childTnLst>
+                    </p:cTn>
+                  </p:par>
+                  <p:par>
+                    <p:cTn id="7" fill="hold">
+                      <p:stCondLst>
+                        <p:cond delay="indefinite"/>
+                      </p:stCondLst>
+                      <p:childTnLst>
+                        <p:par>
+                          <p:cTn id="8" fill="hold">
+                            <p:stCondLst>
+                              <p:cond delay="0"/>
+                            </p:stCondLst>
+                            <p:childTnLst>
+                              <p:par>
+                                <p:cTn id="9" presetID="1" presetClass="entr" presetSubtype="0" fill="hold" grpId="0" nodeType="clickEffect">
+                                  <p:stCondLst>
+                                    <p:cond delay="0"/>
+                                  </p:stCondLst>
+                                  <p:childTnLst>
+                                    <p:set>
+                                      <p:cBhvr>
+                                        <p:cTn id="10" dur="1" fill="hold">
+                                          <p:stCondLst>
+                                            <p:cond delay="0"/>
+                                          </p:stCondLst>
+                                        </p:cTn>
+                                        <p:tgtEl>
+                                          <p:spTgt spid="17">
+                                            <p:txEl>
+                                              <p:pRg st="1" end="1"/>
+                                            </p:txEl>
+                                          </p:spTgt>
+                                        </p:tgtEl>
+                                        <p:attrNameLst>
+                                          <p:attrName>style.visibility</p:attrName>
+                                        </p:attrNameLst>
+                                      </p:cBhvr>
+                                      <p:to>
+                                        <p:strVal val="visible"/>
+                                      </p:to>
+                                    </p:set>
+                                  </p:childTnLst>
+                                </p:cTn>
+                              </p:par>
+                            </p:childTnLst>
+                          </p:cTn>
+                        </p:par>
+                      </p:childTnLst>
+                    </p:cTn>
+                  </p:par>
+                  <p:par>
+                    <p:cTn id="11" fill="hold">
+                      <p:stCondLst>
+                        <p:cond delay="indefinite"/>
+                      </p:stCondLst>
+                      <p:childTnLst>
+                        <p:par>
+                          <p:cTn id="12" fill="hold">
+                            <p:stCondLst>
+                              <p:cond delay="0"/>
+                            </p:stCondLst>
+                            <p:childTnLst>
+                              <p:par>
+                                <p:cTn id="13" presetID="1" presetClass="entr" presetSubtype="0" fill="hold" grpId="0" nodeType="clickEffect">
+                                  <p:stCondLst>
+                                    <p:cond delay="0"/>
+                                  </p:stCondLst>
+                                  <p:childTnLst>
+                                    <p:set>
+                                      <p:cBhvr>
+                                        <p:cTn id="14" dur="1" fill="hold">
+                                          <p:stCondLst>
+                                            <p:cond delay="0"/>
+                                          </p:stCondLst>
+                                        </p:cTn>
+                                        <p:tgtEl>
+                                          <p:spTgt spid="17">
+                                            <p:txEl>
+                                              <p:pRg st="2" end="2"/>
+                                            </p:txEl>
+                                          </p:spTgt>
+                                        </p:tgtEl>
+                                        <p:attrNameLst>
+                                          <p:attrName>style.visibility</p:attrName>
+                                        </p:attrNameLst>
+                                      </p:cBhvr>
+                                      <p:to>
+                                        <p:strVal val="visible"/>
+                                      </p:to>
+                                    </p:set>
+                                  </p:childTnLst>
+                                </p:cTn>
+                              </p:par>
+                            </p:childTnLst>
+                          </p:cTn>
+                        </p:par>
+                      </p:childTnLst>
+                    </p:cTn>
+                  </p:par>
+                  <p:par>
+                    <p:cTn id="15" fill="hold">
+                      <p:stCondLst>
+                        <p:cond delay="indefinite"/>
+                      </p:stCondLst>
+                      <p:childTnLst>
+                        <p:par>
+                          <p:cTn id="16" fill="hold">
+                            <p:stCondLst>
+                              <p:cond delay="0"/>
+                            </p:stCondLst>
+                            <p:childTnLst>
+                              <p:par>
+                                <p:cTn id="17" presetID="1" presetClass="entr" presetSubtype="0" fill="hold" grpId="0" nodeType="clickEffect">
+                                  <p:stCondLst>
+                                    <p:cond delay="0"/>
+                                  </p:stCondLst>
+                                  <p:childTnLst>
+                                    <p:set>
+                                      <p:cBhvr>
+                                        <p:cTn id="18" dur="1" fill="hold">
+                                          <p:stCondLst>
+                                            <p:cond delay="0"/>
+                                          </p:stCondLst>
+                                        </p:cTn>
+                                        <p:tgtEl>
+                                          <p:spTgt spid="17">
+                                            <p:txEl>
+                                              <p:pRg st="3" end="3"/>
+                                            </p:txEl>
+                                          </p:spTgt>
+                                        </p:tgtEl>
+                                        <p:attrNameLst>
+                                          <p:attrName>style.visibility</p:attrName>
+                                        </p:attrNameLst>
+                                      </p:cBhvr>
+                                      <p:to>
+                                        <p:strVal val="visible"/>
+                                      </p:to>
+                                    </p:set>
+                                  </p:childTnLst>
+                                </p:cTn>
+                              </p:par>
+                            </p:childTnLst>
+                          </p:cTn>
+                        </p:par>
+                      </p:childTnLst>
+                    </p:cTn>
+                  </p:par>
+                  <p:par>
+                    <p:cTn id="19" fill="hold">
+                      <p:stCondLst>
+                        <p:cond delay="indefinite"/>
+                      </p:stCondLst>
+                      <p:childTnLst>
+                        <p:par>
+                          <p:cTn id="20" fill="hold">
+                            <p:stCondLst>
+                              <p:cond delay="0"/>
+                            </p:stCondLst>
+                            <p:childTnLst>
+                              <p:par>
+                                <p:cTn id="21" presetID="1" presetClass="entr" presetSubtype="0" fill="hold" grpId="0" nodeType="clickEffect">
+                                  <p:stCondLst>
+                                    <p:cond delay="0"/>
+                                  </p:stCondLst>
+                                  <p:childTnLst>
+                                    <p:set>
+                                      <p:cBhvr>
+                                        <p:cTn id="22" dur="1" fill="hold">
+                                          <p:stCondLst>
+                                            <p:cond delay="0"/>
+                                          </p:stCondLst>
+                                        </p:cTn>
+                                        <p:tgtEl>
+                                          <p:spTgt spid="17">
+                                            <p:txEl>
+                                              <p:pRg st="4" end="4"/>
+                                            </p:txEl>
+                                          </p:spTgt>
+                                        </p:tgtEl>
+                                        <p:attrNameLst>
+                                          <p:attrName>style.visibility</p:attrName>
+                                        </p:attrNameLst>
+                                      </p:cBhvr>
+                                      <p:to>
+                                        <p:strVal val="visible"/>
+                                      </p:to>
+                                    </p:set>
+                                  </p:childTnLst>
+                                </p:cTn>
+                              </p:par>
+                            </p:childTnLst>
+                          </p:cTn>
+                        </p:par>
+                      </p:childTnLst>
+                    </p:cTn>
+                  </p:par>
+                  <p:par>
+                    <p:cTn id="23" fill="hold">
+                      <p:stCondLst>
+                        <p:cond delay="indefinite"/>
+                      </p:stCondLst>
+                      <p:childTnLst>
+                        <p:par>
+                          <p:cTn id="24" fill="hold">
+                            <p:stCondLst>
+                              <p:cond delay="0"/>
+                            </p:stCondLst>
+                            <p:childTnLst>
+                              <p:par>
+                                <p:cTn id="25" presetID="1" presetClass="entr" presetSubtype="0" fill="hold" grpId="0" nodeType="clickEffect">
+                                  <p:stCondLst>
+                                    <p:cond delay="0"/>
+                                  </p:stCondLst>
+                                  <p:childTnLst>
+                                    <p:set>
+                                      <p:cBhvr>
+                                        <p:cTn id="26" dur="1" fill="hold">
+                                          <p:stCondLst>
+                                            <p:cond delay="0"/>
+                                          </p:stCondLst>
+                                        </p:cTn>
+                                        <p:tgtEl>
+                                          <p:spTgt spid="17">
+                                            <p:txEl>
+                                              <p:pRg st="5" end="5"/>
+                                            </p:txEl>
+                                          </p:spTgt>
+                                        </p:tgtEl>
+                                        <p:attrNameLst>
+                                          <p:attrName>style.visibility</p:attrName>
+                                        </p:attrNameLst>
+                                      </p:cBhvr>
+                                      <p:to>
+                                        <p:strVal val="visible"/>
+                                      </p:to>
+                                    </p:set>
+                                  </p:childTnLst>
+                                </p:cTn>
+                              </p:par>
+                            </p:childTnLst>
+                          </p:cTn>
+                        </p:par>
+                      </p:childTnLst>
+                    </p:cTn>
+                  </p:par>
+                </p:childTnLst>
+              </p:cTn>
+              <p:prevCondLst>
+                <p:cond evt="onPrev" delay="0">
+                  <p:tgtEl>
+                    <p:sldTgt/>
+                  </p:tgtEl>
+                </p:cond>
+              </p:prevCondLst>
+              <p:nextCondLst>
+                <p:cond evt="onNext" delay="0">
+                  <p:tgtEl>
+                    <p:sldTgt/>
+                  </p:tgtEl>
+                </p:cond>
+              </p:nextCondLst>
+            </p:seq>
+          </p:childTnLst>
+        </p:cTn>
+      </p:par>
+    </p:tnLst>
+    <p:bldLst>
+      <p:bldP spid="17" grpId="0" build="p"/>
+    </p:bldLst>
+  </p:timing>
 </p:sld>
 </file>
 
@@ -16898,7 +17450,7 @@
         </p:nvSpPr>
         <p:spPr>
           <a:xfrm>
-            <a:off x="274320" y="93600"/>
+            <a:off x="483792" y="361446"/>
             <a:ext cx="9113040" cy="1460880"/>
           </a:xfrm>
         </p:spPr>
@@ -16921,17 +17473,8 @@
                 <a:latin typeface="Liberation Sans" pitchFamily="34"/>
                 <a:cs typeface="Liberation Sans" pitchFamily="34"/>
               </a:rPr>
-              <a:t>השיטה המקובלת – "שיטת התרמיל"</a:t>
-            </a:r>
-            <a:br>
-              <a:rPr lang="en-US">
-                <a:solidFill>
-                  <a:srgbClr val="000000"/>
-                </a:solidFill>
-                <a:latin typeface="Liberation Sans" pitchFamily="34"/>
-                <a:cs typeface="Liberation Sans" pitchFamily="34"/>
-              </a:rPr>
-            </a:br>
+              <a:t>השיטה המקובלת בעולם – "שיטת התרמיל"  </a:t>
+            </a:r>
             <a:r>
               <a:rPr lang="en-US">
                 <a:solidFill>
@@ -16947,10 +17490,10 @@
       </p:sp>
       <p:sp>
         <p:nvSpPr>
-          <p:cNvPr id="3" name="Content Placeholder 2">
-            <a:extLst>
-              <a:ext uri="{FF2B5EF4-FFF2-40B4-BE49-F238E27FC236}">
-                <a16:creationId xmlns:a16="http://schemas.microsoft.com/office/drawing/2014/main" id="{44C0C4D8-191B-D3C5-8730-F43F5991FEDC}"/>
+          <p:cNvPr id="4" name="TextBox 3">
+            <a:extLst>
+              <a:ext uri="{FF2B5EF4-FFF2-40B4-BE49-F238E27FC236}">
+                <a16:creationId xmlns:a16="http://schemas.microsoft.com/office/drawing/2014/main" id="{43833FE7-04A8-FCA8-2239-F254CF2EF865}"/>
               </a:ext>
             </a:extLst>
           </p:cNvPr>
@@ -16959,8 +17502,8 @@
         </p:nvSpPr>
         <p:spPr>
           <a:xfrm>
-            <a:off x="457200" y="1188719"/>
-            <a:ext cx="8694360" cy="4796280"/>
+            <a:off x="407190" y="2025254"/>
+            <a:ext cx="9144000" cy="3040084"/>
           </a:xfrm>
           <a:prstGeom prst="rect">
             <a:avLst/>
@@ -16971,62 +17514,7 @@
           </a:ln>
         </p:spPr>
         <p:txBody>
-          <a:bodyPr wrap="square" lIns="91440" tIns="45720" rIns="91440" bIns="45720" anchor="t" compatLnSpc="0">
-            <a:noAutofit/>
-          </a:bodyPr>
-          <a:lstStyle/>
-          <a:p>
-            <a:pPr marL="0" marR="0" lvl="0" indent="0" algn="l" hangingPunct="0">
-              <a:spcBef>
-                <a:spcPts val="2750"/>
-              </a:spcBef>
-              <a:spcAft>
-                <a:spcPts val="0"/>
-              </a:spcAft>
-              <a:buNone/>
-              <a:tabLst/>
-            </a:pPr>
-            <a:endParaRPr lang="en-US" sz="3000" b="0" i="0" u="none" strike="noStrike" kern="1200" spc="0">
-              <a:ln>
-                <a:noFill/>
-              </a:ln>
-              <a:solidFill>
-                <a:srgbClr val="000000"/>
-              </a:solidFill>
-              <a:latin typeface="ＭＳ Ｐゴシック" pitchFamily="18"/>
-              <a:ea typeface="Liberation Sans" pitchFamily="34"/>
-              <a:cs typeface="DejaVu Sans" pitchFamily="2"/>
-            </a:endParaRPr>
-          </a:p>
-        </p:txBody>
-      </p:sp>
-      <p:sp>
-        <p:nvSpPr>
-          <p:cNvPr id="4" name="TextBox 3">
-            <a:extLst>
-              <a:ext uri="{FF2B5EF4-FFF2-40B4-BE49-F238E27FC236}">
-                <a16:creationId xmlns:a16="http://schemas.microsoft.com/office/drawing/2014/main" id="{43833FE7-04A8-FCA8-2239-F254CF2EF865}"/>
-              </a:ext>
-            </a:extLst>
-          </p:cNvPr>
-          <p:cNvSpPr txBox="1"/>
-          <p:nvPr/>
-        </p:nvSpPr>
-        <p:spPr>
-          <a:xfrm>
-            <a:off x="274320" y="1920239"/>
-            <a:ext cx="9144000" cy="3215159"/>
-          </a:xfrm>
-          <a:prstGeom prst="rect">
-            <a:avLst/>
-          </a:prstGeom>
-          <a:noFill/>
-          <a:ln>
-            <a:noFill/>
-          </a:ln>
-        </p:spPr>
-        <p:txBody>
-          <a:bodyPr vert="horz" wrap="none" lIns="90000" tIns="45000" rIns="90000" bIns="45000" anchorCtr="0" compatLnSpc="0">
+          <a:bodyPr vert="horz" wrap="square" lIns="90000" tIns="45000" rIns="90000" bIns="45000" anchorCtr="0" compatLnSpc="0">
             <a:spAutoFit/>
           </a:bodyPr>
           <a:lstStyle/>
@@ -17189,10 +17677,10 @@
       </p:sp>
       <p:sp>
         <p:nvSpPr>
-          <p:cNvPr id="3" name="Content Placeholder 2">
-            <a:extLst>
-              <a:ext uri="{FF2B5EF4-FFF2-40B4-BE49-F238E27FC236}">
-                <a16:creationId xmlns:a16="http://schemas.microsoft.com/office/drawing/2014/main" id="{BB2DB442-C785-4196-2DF9-FCBCB696EC0D}"/>
+          <p:cNvPr id="4" name="TextBox 3">
+            <a:extLst>
+              <a:ext uri="{FF2B5EF4-FFF2-40B4-BE49-F238E27FC236}">
+                <a16:creationId xmlns:a16="http://schemas.microsoft.com/office/drawing/2014/main" id="{2B9197DC-3C67-4702-DDDA-F1C28FC81308}"/>
               </a:ext>
             </a:extLst>
           </p:cNvPr>
@@ -17201,8 +17689,8 @@
         </p:nvSpPr>
         <p:spPr>
           <a:xfrm>
-            <a:off x="457200" y="1188719"/>
-            <a:ext cx="9418320" cy="5577840"/>
+            <a:off x="640080" y="1268730"/>
+            <a:ext cx="9291320" cy="4809607"/>
           </a:xfrm>
           <a:prstGeom prst="rect">
             <a:avLst/>
@@ -17213,62 +17701,7 @@
           </a:ln>
         </p:spPr>
         <p:txBody>
-          <a:bodyPr wrap="square" lIns="91440" tIns="45720" rIns="91440" bIns="45720" anchor="t" compatLnSpc="0">
-            <a:noAutofit/>
-          </a:bodyPr>
-          <a:lstStyle/>
-          <a:p>
-            <a:pPr marL="0" marR="0" lvl="0" indent="0" algn="l" hangingPunct="0">
-              <a:spcBef>
-                <a:spcPts val="2750"/>
-              </a:spcBef>
-              <a:spcAft>
-                <a:spcPts val="0"/>
-              </a:spcAft>
-              <a:buNone/>
-              <a:tabLst/>
-            </a:pPr>
-            <a:endParaRPr lang="en-US" sz="3000" b="0" i="0" u="none" strike="noStrike" kern="1200" spc="0">
-              <a:ln>
-                <a:noFill/>
-              </a:ln>
-              <a:solidFill>
-                <a:srgbClr val="000000"/>
-              </a:solidFill>
-              <a:latin typeface="ＭＳ Ｐゴシック" pitchFamily="18"/>
-              <a:ea typeface="Liberation Sans" pitchFamily="34"/>
-              <a:cs typeface="DejaVu Sans" pitchFamily="2"/>
-            </a:endParaRPr>
-          </a:p>
-        </p:txBody>
-      </p:sp>
-      <p:sp>
-        <p:nvSpPr>
-          <p:cNvPr id="4" name="TextBox 3">
-            <a:extLst>
-              <a:ext uri="{FF2B5EF4-FFF2-40B4-BE49-F238E27FC236}">
-                <a16:creationId xmlns:a16="http://schemas.microsoft.com/office/drawing/2014/main" id="{2B9197DC-3C67-4702-DDDA-F1C28FC81308}"/>
-              </a:ext>
-            </a:extLst>
-          </p:cNvPr>
-          <p:cNvSpPr txBox="1"/>
-          <p:nvPr/>
-        </p:nvSpPr>
-        <p:spPr>
-          <a:xfrm>
-            <a:off x="274320" y="1554479"/>
-            <a:ext cx="9601200" cy="5577840"/>
-          </a:xfrm>
-          <a:prstGeom prst="rect">
-            <a:avLst/>
-          </a:prstGeom>
-          <a:noFill/>
-          <a:ln>
-            <a:noFill/>
-          </a:ln>
-        </p:spPr>
-        <p:txBody>
-          <a:bodyPr vert="horz" wrap="none" lIns="90000" tIns="45000" rIns="90000" bIns="45000" anchorCtr="0" compatLnSpc="0">
+          <a:bodyPr vert="horz" wrap="square" lIns="90000" tIns="45000" rIns="90000" bIns="45000" anchorCtr="0" compatLnSpc="0">
             <a:spAutoFit/>
           </a:bodyPr>
           <a:lstStyle/>
@@ -17325,7 +17758,7 @@
                 <a:ea typeface="Noto Sans CJK SC Regular" pitchFamily="2"/>
                 <a:cs typeface="Liberation Sans" pitchFamily="34"/>
               </a:rPr>
-              <a:t>יש </a:t>
+              <a:t>יש</a:t>
             </a:r>
             <a:r>
               <a:rPr lang="en-US" sz="4000" b="0" i="0" u="none" strike="noStrike" kern="1200" cap="none">
@@ -17336,7 +17769,29 @@
                 <a:ea typeface="Noto Sans CJK SC Regular" pitchFamily="2"/>
                 <a:cs typeface="Liberation Sans" pitchFamily="34"/>
               </a:rPr>
-              <a:t>20 מקומות אפשריים לבתי-ספר.</a:t>
+              <a:t>20 </a:t>
+            </a:r>
+            <a:r>
+              <a:rPr lang="he-IL" sz="4000" b="0" i="0" u="none" strike="noStrike" kern="1200" cap="none">
+                <a:ln>
+                  <a:noFill/>
+                </a:ln>
+                <a:latin typeface="Liberation Sans" pitchFamily="34"/>
+                <a:ea typeface="Noto Sans CJK SC Regular" pitchFamily="2"/>
+                <a:cs typeface="Liberation Sans" pitchFamily="34"/>
+              </a:rPr>
+              <a:t> </a:t>
+            </a:r>
+            <a:r>
+              <a:rPr lang="en-US" sz="4000" b="0" i="0" u="none" strike="noStrike" kern="1200" cap="none">
+                <a:ln>
+                  <a:noFill/>
+                </a:ln>
+                <a:latin typeface="Liberation Sans" pitchFamily="34"/>
+                <a:ea typeface="Noto Sans CJK SC Regular" pitchFamily="2"/>
+                <a:cs typeface="Liberation Sans" pitchFamily="34"/>
+              </a:rPr>
+              <a:t>מקומות אפשריים לבתי-ספר.</a:t>
             </a:r>
           </a:p>
           <a:p>
@@ -17375,7 +17830,29 @@
                 <a:ea typeface="Noto Sans CJK SC Regular" pitchFamily="2"/>
                 <a:cs typeface="Liberation Sans" pitchFamily="34"/>
               </a:rPr>
-              <a:t>10 בתי-ספר.</a:t>
+              <a:t>10</a:t>
+            </a:r>
+            <a:r>
+              <a:rPr lang="he-IL" sz="4000" b="0" i="0" u="none" strike="noStrike" kern="1200" cap="none">
+                <a:ln>
+                  <a:noFill/>
+                </a:ln>
+                <a:latin typeface="Liberation Sans" pitchFamily="34"/>
+                <a:ea typeface="Noto Sans CJK SC Regular" pitchFamily="2"/>
+                <a:cs typeface="Liberation Sans" pitchFamily="34"/>
+              </a:rPr>
+              <a:t> </a:t>
+            </a:r>
+            <a:r>
+              <a:rPr lang="en-US" sz="4000" b="0" i="0" u="none" strike="noStrike" kern="1200" cap="none">
+                <a:ln>
+                  <a:noFill/>
+                </a:ln>
+                <a:latin typeface="Liberation Sans" pitchFamily="34"/>
+                <a:ea typeface="Noto Sans CJK SC Regular" pitchFamily="2"/>
+                <a:cs typeface="Liberation Sans" pitchFamily="34"/>
+              </a:rPr>
+              <a:t>בתי-ספר.</a:t>
             </a:r>
           </a:p>
           <a:p>
@@ -17406,7 +17883,35 @@
                 <a:ea typeface="Noto Sans CJK SC Regular" pitchFamily="2"/>
                 <a:cs typeface="Liberation Sans" pitchFamily="34"/>
               </a:rPr>
-              <a:t>51% מהאזרחים גרים בשכונה א.</a:t>
+              <a:t>51%</a:t>
+            </a:r>
+            <a:r>
+              <a:rPr lang="he-IL" sz="4000" b="0" i="0" u="none" strike="noStrike" kern="1200" cap="none">
+                <a:ln>
+                  <a:noFill/>
+                </a:ln>
+                <a:solidFill>
+                  <a:srgbClr val="0000CC"/>
+                </a:solidFill>
+                <a:latin typeface="Liberation Sans" pitchFamily="34"/>
+                <a:ea typeface="Noto Sans CJK SC Regular" pitchFamily="2"/>
+                <a:cs typeface="Liberation Sans" pitchFamily="34"/>
+              </a:rPr>
+              <a:t> </a:t>
+            </a:r>
+            <a:r>
+              <a:rPr lang="en-US" sz="4000" b="0" i="0" u="none" strike="noStrike" kern="1200" cap="none">
+                <a:ln>
+                  <a:noFill/>
+                </a:ln>
+                <a:solidFill>
+                  <a:srgbClr val="0000CC"/>
+                </a:solidFill>
+                <a:latin typeface="Liberation Sans" pitchFamily="34"/>
+                <a:ea typeface="Noto Sans CJK SC Regular" pitchFamily="2"/>
+                <a:cs typeface="Liberation Sans" pitchFamily="34"/>
+              </a:rPr>
+              <a:t> מהאזרחים גרים בשכונה א.</a:t>
             </a:r>
           </a:p>
           <a:p>
@@ -17437,7 +17942,35 @@
                 <a:ea typeface="Noto Sans CJK SC Regular" pitchFamily="2"/>
                 <a:cs typeface="Liberation Sans" pitchFamily="34"/>
               </a:rPr>
-              <a:t>49% מהאזרחים גרים בשכונה ב.</a:t>
+              <a:t>49%</a:t>
+            </a:r>
+            <a:r>
+              <a:rPr lang="he-IL" sz="4000" b="0" i="0" u="none" strike="noStrike" kern="1200" cap="none">
+                <a:ln>
+                  <a:noFill/>
+                </a:ln>
+                <a:solidFill>
+                  <a:srgbClr val="0000CC"/>
+                </a:solidFill>
+                <a:latin typeface="Liberation Sans" pitchFamily="34"/>
+                <a:ea typeface="Noto Sans CJK SC Regular" pitchFamily="2"/>
+                <a:cs typeface="Liberation Sans" pitchFamily="34"/>
+              </a:rPr>
+              <a:t> </a:t>
+            </a:r>
+            <a:r>
+              <a:rPr lang="en-US" sz="4000" b="0" i="0" u="none" strike="noStrike" kern="1200" cap="none">
+                <a:ln>
+                  <a:noFill/>
+                </a:ln>
+                <a:solidFill>
+                  <a:srgbClr val="0000CC"/>
+                </a:solidFill>
+                <a:latin typeface="Liberation Sans" pitchFamily="34"/>
+                <a:ea typeface="Noto Sans CJK SC Regular" pitchFamily="2"/>
+                <a:cs typeface="Liberation Sans" pitchFamily="34"/>
+              </a:rPr>
+              <a:t> מהאזרחים גרים בשכונה ב.</a:t>
             </a:r>
           </a:p>
           <a:p>
@@ -17468,7 +18001,7 @@
                 <a:ea typeface="Noto Sans CJK SC Regular" pitchFamily="2"/>
                 <a:cs typeface="Liberation Sans" pitchFamily="34"/>
               </a:rPr>
-              <a:t>תקציב בשיטת התרמיל יגרום לכך שכל </a:t>
+              <a:t>תקציב בשיטת התרמיל יגרום לכך שכל 10 </a:t>
             </a:r>
             <a:r>
               <a:rPr lang="en-US" sz="4000" b="0" i="0" u="none" strike="noStrike" kern="1200" cap="none">
@@ -17482,7 +18015,7 @@
                 <a:ea typeface="Noto Sans CJK SC Regular" pitchFamily="2"/>
                 <a:cs typeface="Liberation Sans" pitchFamily="34"/>
               </a:rPr>
-              <a:t>10 בתי-הספר יהיו בשכונה א.</a:t>
+              <a:t>בתי-הספר יהיו בשכונה א.</a:t>
             </a:r>
           </a:p>
           <a:p>
@@ -17561,8 +18094,8 @@
         </p:nvSpPr>
         <p:spPr>
           <a:xfrm>
-            <a:off x="777239" y="1853999"/>
-            <a:ext cx="9052560" cy="3746880"/>
+            <a:off x="777239" y="558599"/>
+            <a:ext cx="9052560" cy="5705676"/>
           </a:xfrm>
         </p:spPr>
         <p:txBody>
@@ -17653,9 +18186,9 @@
               </a:rPr>
             </a:br>
             <a:r>
-              <a:rPr lang="en-US" sz="3600">
+              <a:rPr lang="he-IL" sz="3600">
                 <a:solidFill>
-                  <a:srgbClr val="000000"/>
+                  <a:srgbClr val="00B050"/>
                 </a:solidFill>
                 <a:latin typeface="Liberation Sans" pitchFamily="34"/>
                 <a:cs typeface="Liberation Sans" pitchFamily="34"/>
@@ -17665,7 +18198,7 @@
             <a:r>
               <a:rPr lang="he-IL" sz="3600" b="1">
                 <a:solidFill>
-                  <a:srgbClr val="000000"/>
+                  <a:srgbClr val="00B050"/>
                 </a:solidFill>
                 <a:latin typeface="Liberation Sans" pitchFamily="34"/>
                 <a:cs typeface="Liberation Sans" pitchFamily="34"/>
@@ -17675,26 +18208,65 @@
             <a:r>
               <a:rPr lang="en-US" sz="3600">
                 <a:solidFill>
-                  <a:srgbClr val="000000"/>
+                  <a:srgbClr val="00B050"/>
                 </a:solidFill>
                 <a:latin typeface="Liberation Sans" pitchFamily="34"/>
                 <a:cs typeface="Liberation Sans" pitchFamily="34"/>
               </a:rPr>
-              <a:t> – לכל פריט יש עלות; כל פריט ממומן במלואו או בכלל לא.</a:t>
+              <a:t> – לכל פריט יש עלות</a:t>
+            </a:r>
+            <a:r>
+              <a:rPr lang="he-IL" sz="3600">
+                <a:solidFill>
+                  <a:srgbClr val="00B050"/>
+                </a:solidFill>
+                <a:latin typeface="Liberation Sans" pitchFamily="34"/>
+                <a:cs typeface="Liberation Sans" pitchFamily="34"/>
+              </a:rPr>
+              <a:t>; </a:t>
             </a:r>
             <a:br>
               <a:rPr lang="en-US" sz="3600">
                 <a:solidFill>
-                  <a:srgbClr val="000000"/>
+                  <a:srgbClr val="00B050"/>
                 </a:solidFill>
                 <a:latin typeface="Liberation Sans" pitchFamily="34"/>
                 <a:cs typeface="Liberation Sans" pitchFamily="34"/>
               </a:rPr>
             </a:br>
             <a:r>
+              <a:rPr lang="he-IL" sz="3600">
+                <a:solidFill>
+                  <a:srgbClr val="00B050"/>
+                </a:solidFill>
+                <a:latin typeface="Liberation Sans" pitchFamily="34"/>
+                <a:cs typeface="Liberation Sans" pitchFamily="34"/>
+              </a:rPr>
+              <a:t>               </a:t>
+            </a:r>
+            <a:r>
               <a:rPr lang="en-US" sz="3600">
                 <a:solidFill>
-                  <a:srgbClr val="000000"/>
+                  <a:srgbClr val="00B050"/>
+                </a:solidFill>
+                <a:latin typeface="Liberation Sans" pitchFamily="34"/>
+                <a:cs typeface="Liberation Sans" pitchFamily="34"/>
+              </a:rPr>
+              <a:t>כל פריט ממומן במלואו או בכלל לא.</a:t>
+            </a:r>
+            <a:br>
+              <a:rPr lang="en-US" sz="3600">
+                <a:solidFill>
+                  <a:srgbClr val="00B050"/>
+                </a:solidFill>
+                <a:latin typeface="Liberation Sans" pitchFamily="34"/>
+                <a:cs typeface="Liberation Sans" pitchFamily="34"/>
+              </a:rPr>
+            </a:br>
+            <a:r>
+              <a:rPr lang="en-US" sz="3600">
+                <a:solidFill>
+                  <a:srgbClr val="00B050"/>
                 </a:solidFill>
                 <a:latin typeface="Liberation Sans" pitchFamily="34"/>
                 <a:cs typeface="Liberation Sans" pitchFamily="34"/>
@@ -17704,7 +18276,7 @@
             <a:br>
               <a:rPr lang="en-US" sz="3600">
                 <a:solidFill>
-                  <a:srgbClr val="000000"/>
+                  <a:srgbClr val="00B050"/>
                 </a:solidFill>
                 <a:latin typeface="Liberation Sans" pitchFamily="34"/>
                 <a:cs typeface="Liberation Sans" pitchFamily="34"/>
@@ -17720,9 +18292,9 @@
               </a:rPr>
             </a:br>
             <a:r>
-              <a:rPr lang="en-US" sz="3600">
+              <a:rPr lang="he-IL" sz="3600">
                 <a:solidFill>
-                  <a:srgbClr val="000000"/>
+                  <a:srgbClr val="0070C0"/>
                 </a:solidFill>
                 <a:latin typeface="Liberation Sans" pitchFamily="34"/>
                 <a:cs typeface="Liberation Sans" pitchFamily="34"/>
@@ -17732,7 +18304,7 @@
             <a:r>
               <a:rPr lang="he-IL" sz="3600" b="1">
                 <a:solidFill>
-                  <a:srgbClr val="000000"/>
+                  <a:srgbClr val="0070C0"/>
                 </a:solidFill>
                 <a:latin typeface="Liberation Sans" pitchFamily="34"/>
                 <a:cs typeface="Liberation Sans" pitchFamily="34"/>
@@ -17742,26 +18314,55 @@
             <a:r>
               <a:rPr lang="en-US" sz="3600">
                 <a:solidFill>
-                  <a:srgbClr val="000000"/>
+                  <a:srgbClr val="0070C0"/>
                 </a:solidFill>
                 <a:latin typeface="Liberation Sans" pitchFamily="34"/>
                 <a:cs typeface="Liberation Sans" pitchFamily="34"/>
               </a:rPr>
-              <a:t> – כל פריט יכול להשתמש בכל סכום שנותנים לו.</a:t>
+              <a:t> – כל פריט יכול להשתמש </a:t>
             </a:r>
             <a:br>
               <a:rPr lang="en-US" sz="3600">
                 <a:solidFill>
-                  <a:srgbClr val="000000"/>
+                  <a:srgbClr val="0070C0"/>
                 </a:solidFill>
                 <a:latin typeface="Liberation Sans" pitchFamily="34"/>
                 <a:cs typeface="Liberation Sans" pitchFamily="34"/>
               </a:rPr>
             </a:br>
             <a:r>
+              <a:rPr lang="he-IL" sz="3600">
+                <a:solidFill>
+                  <a:srgbClr val="0070C0"/>
+                </a:solidFill>
+                <a:latin typeface="Liberation Sans" pitchFamily="34"/>
+                <a:cs typeface="Liberation Sans" pitchFamily="34"/>
+              </a:rPr>
+              <a:t>               </a:t>
+            </a:r>
+            <a:r>
               <a:rPr lang="en-US" sz="3600">
                 <a:solidFill>
-                  <a:srgbClr val="000000"/>
+                  <a:srgbClr val="0070C0"/>
+                </a:solidFill>
+                <a:latin typeface="Liberation Sans" pitchFamily="34"/>
+                <a:cs typeface="Liberation Sans" pitchFamily="34"/>
+              </a:rPr>
+              <a:t>בכל סכום שנותנים לו.</a:t>
+            </a:r>
+            <a:br>
+              <a:rPr lang="en-US" sz="3600">
+                <a:solidFill>
+                  <a:srgbClr val="0070C0"/>
+                </a:solidFill>
+                <a:latin typeface="Liberation Sans" pitchFamily="34"/>
+                <a:cs typeface="Liberation Sans" pitchFamily="34"/>
+              </a:rPr>
+            </a:br>
+            <a:r>
+              <a:rPr lang="en-US" sz="3600">
+                <a:solidFill>
+                  <a:srgbClr val="0070C0"/>
                 </a:solidFill>
                 <a:latin typeface="Liberation Sans" pitchFamily="34"/>
                 <a:cs typeface="Liberation Sans" pitchFamily="34"/>
